--- a/lectures/rel-alg/db-relalg-slides.pptx
+++ b/lectures/rel-alg/db-relalg-slides.pptx
@@ -250,7 +250,7 @@
           <a:p>
             <a:fld id="{56F270F0-CDF3-2542-AB6E-EB8E4E457F45}" type="datetimeFigureOut">
               <a:rPr lang="en-US" smtClean="0"/>
-              <a:t>1/20/22</a:t>
+              <a:t>1/24/24</a:t>
             </a:fld>
             <a:endParaRPr lang="en-US"/>
           </a:p>
@@ -420,7 +420,7 @@
           <a:p>
             <a:fld id="{56F270F0-CDF3-2542-AB6E-EB8E4E457F45}" type="datetimeFigureOut">
               <a:rPr lang="en-US" smtClean="0"/>
-              <a:t>1/20/22</a:t>
+              <a:t>1/24/24</a:t>
             </a:fld>
             <a:endParaRPr lang="en-US"/>
           </a:p>
@@ -600,7 +600,7 @@
           <a:p>
             <a:fld id="{56F270F0-CDF3-2542-AB6E-EB8E4E457F45}" type="datetimeFigureOut">
               <a:rPr lang="en-US" smtClean="0"/>
-              <a:t>1/20/22</a:t>
+              <a:t>1/24/24</a:t>
             </a:fld>
             <a:endParaRPr lang="en-US"/>
           </a:p>
@@ -770,7 +770,7 @@
           <a:p>
             <a:fld id="{56F270F0-CDF3-2542-AB6E-EB8E4E457F45}" type="datetimeFigureOut">
               <a:rPr lang="en-US" smtClean="0"/>
-              <a:t>1/20/22</a:t>
+              <a:t>1/24/24</a:t>
             </a:fld>
             <a:endParaRPr lang="en-US"/>
           </a:p>
@@ -1014,7 +1014,7 @@
           <a:p>
             <a:fld id="{56F270F0-CDF3-2542-AB6E-EB8E4E457F45}" type="datetimeFigureOut">
               <a:rPr lang="en-US" smtClean="0"/>
-              <a:t>1/20/22</a:t>
+              <a:t>1/24/24</a:t>
             </a:fld>
             <a:endParaRPr lang="en-US"/>
           </a:p>
@@ -1246,7 +1246,7 @@
           <a:p>
             <a:fld id="{56F270F0-CDF3-2542-AB6E-EB8E4E457F45}" type="datetimeFigureOut">
               <a:rPr lang="en-US" smtClean="0"/>
-              <a:t>1/20/22</a:t>
+              <a:t>1/24/24</a:t>
             </a:fld>
             <a:endParaRPr lang="en-US"/>
           </a:p>
@@ -1613,7 +1613,7 @@
           <a:p>
             <a:fld id="{56F270F0-CDF3-2542-AB6E-EB8E4E457F45}" type="datetimeFigureOut">
               <a:rPr lang="en-US" smtClean="0"/>
-              <a:t>1/20/22</a:t>
+              <a:t>1/24/24</a:t>
             </a:fld>
             <a:endParaRPr lang="en-US"/>
           </a:p>
@@ -1731,7 +1731,7 @@
           <a:p>
             <a:fld id="{56F270F0-CDF3-2542-AB6E-EB8E4E457F45}" type="datetimeFigureOut">
               <a:rPr lang="en-US" smtClean="0"/>
-              <a:t>1/20/22</a:t>
+              <a:t>1/24/24</a:t>
             </a:fld>
             <a:endParaRPr lang="en-US"/>
           </a:p>
@@ -1826,7 +1826,7 @@
           <a:p>
             <a:fld id="{56F270F0-CDF3-2542-AB6E-EB8E4E457F45}" type="datetimeFigureOut">
               <a:rPr lang="en-US" smtClean="0"/>
-              <a:t>1/20/22</a:t>
+              <a:t>1/24/24</a:t>
             </a:fld>
             <a:endParaRPr lang="en-US"/>
           </a:p>
@@ -2103,7 +2103,7 @@
           <a:p>
             <a:fld id="{56F270F0-CDF3-2542-AB6E-EB8E4E457F45}" type="datetimeFigureOut">
               <a:rPr lang="en-US" smtClean="0"/>
-              <a:t>1/20/22</a:t>
+              <a:t>1/24/24</a:t>
             </a:fld>
             <a:endParaRPr lang="en-US"/>
           </a:p>
@@ -2360,7 +2360,7 @@
           <a:p>
             <a:fld id="{56F270F0-CDF3-2542-AB6E-EB8E4E457F45}" type="datetimeFigureOut">
               <a:rPr lang="en-US" smtClean="0"/>
-              <a:t>1/20/22</a:t>
+              <a:t>1/24/24</a:t>
             </a:fld>
             <a:endParaRPr lang="en-US"/>
           </a:p>
@@ -2573,7 +2573,7 @@
           <a:p>
             <a:fld id="{56F270F0-CDF3-2542-AB6E-EB8E4E457F45}" type="datetimeFigureOut">
               <a:rPr lang="en-US" smtClean="0"/>
-              <a:t>1/20/22</a:t>
+              <a:t>1/24/24</a:t>
             </a:fld>
             <a:endParaRPr lang="en-US"/>
           </a:p>
@@ -8068,7 +8068,7 @@
             </a:pPr>
             <a:r>
               <a:rPr lang="en-US" dirty="0"/>
-              <a:t>pizzeria is the name of a pizza restaurant (e.g., “Memphis Pizza Café,” 	“Broadway Pizza,” </a:t>
+              <a:t>pizzeria is the name of a pizza restaurant (e.g., “Memphis Pizza Café,” 	“Aldo’s” </a:t>
             </a:r>
             <a:r>
               <a:rPr lang="en-US" dirty="0" err="1"/>
